--- a/misc/20200422.MAUG Presentation.pptx
+++ b/misc/20200422.MAUG Presentation.pptx
@@ -18578,7 +18578,7 @@
               <a:rPr lang="en-US" smtClean="0">
                 <a:latin typeface="Segoe UI" pitchFamily="34" charset="0"/>
               </a:rPr>
-              <a:t>4/22/2020 3:26 PM</a:t>
+              <a:t>4/22/2020 7:26 PM</a:t>
             </a:fld>
             <a:endParaRPr lang="en-US" dirty="0">
               <a:latin typeface="Segoe UI" pitchFamily="34" charset="0"/>
@@ -18856,7 +18856,7 @@
           <a:p>
             <a:fld id="{386CE63F-9E7F-4C04-9D0D-FCA25A8E9E86}" type="datetime8">
               <a:rPr lang="en-US" smtClean="0"/>
-              <a:t>4/22/2020 3:26 PM</a:t>
+              <a:t>4/22/2020 6:22 PM</a:t>
             </a:fld>
             <a:endParaRPr lang="en-US" dirty="0"/>
           </a:p>
@@ -19223,7 +19223,7 @@
           <a:p>
             <a:fld id="{321E5A7B-BB8D-4368-A182-109669521632}" type="datetime8">
               <a:rPr lang="en-US" smtClean="0"/>
-              <a:t>4/22/2020 3:26 PM</a:t>
+              <a:t>4/22/2020 6:22 PM</a:t>
             </a:fld>
             <a:endParaRPr lang="en-US" dirty="0"/>
           </a:p>
@@ -19373,7 +19373,7 @@
                   <a:prstClr val="black"/>
                 </a:solidFill>
               </a:rPr>
-              <a:t>4/22/2020 3:26 PM</a:t>
+              <a:t>4/22/2020 6:22 PM</a:t>
             </a:fld>
             <a:endParaRPr lang="en-US" dirty="0">
               <a:solidFill>
@@ -33680,14 +33680,30 @@
             <p:ph type="title"/>
           </p:nvPr>
         </p:nvSpPr>
-        <p:spPr/>
+        <p:spPr>
+          <a:xfrm>
+            <a:off x="588263" y="2794873"/>
+            <a:ext cx="4167887" cy="738664"/>
+          </a:xfrm>
+        </p:spPr>
         <p:txBody>
           <a:bodyPr/>
           <a:lstStyle/>
           <a:p>
             <a:r>
-              <a:rPr lang="en-US"/>
-              <a:t>Event name or presentation title</a:t>
+              <a:rPr lang="en-US" dirty="0"/>
+              <a:t>MAUG </a:t>
+            </a:r>
+            <a:r>
+              <a:rPr lang="en-US" dirty="0" err="1"/>
+              <a:t>DataOps</a:t>
+            </a:r>
+            <a:br>
+              <a:rPr lang="en-US" dirty="0"/>
+            </a:br>
+            <a:r>
+              <a:rPr lang="en-US" sz="1100" dirty="0"/>
+              <a:t>22/04/2020</a:t>
             </a:r>
             <a:endParaRPr lang="en-US" dirty="0"/>
           </a:p>
@@ -33709,10 +33725,9 @@
           <a:lstStyle/>
           <a:p>
             <a:r>
-              <a:rPr lang="en-US"/>
-              <a:t>Subtitle or speaker name</a:t>
+              <a:rPr lang="en-US" dirty="0"/>
+              <a:t>Dave Lusty</a:t>
             </a:r>
-            <a:endParaRPr lang="en-US" dirty="0"/>
           </a:p>
         </p:txBody>
       </p:sp>
@@ -36237,6 +36252,21 @@
 </file>
 
 <file path=customXml/item1.xml><?xml version="1.0" encoding="utf-8"?>
+<?mso-contentType ?>
+<FormTemplates xmlns="http://schemas.microsoft.com/sharepoint/v3/contenttype/forms">
+  <Display>DocumentLibraryForm</Display>
+  <Edit>DocumentLibraryForm</Edit>
+  <New>DocumentLibraryForm</New>
+</FormTemplates>
+</file>
+
+<file path=customXml/item2.xml><?xml version="1.0" encoding="utf-8"?>
+<p:properties xmlns:p="http://schemas.microsoft.com/office/2006/metadata/properties" xmlns:xsi="http://www.w3.org/2001/XMLSchema-instance" xmlns:pc="http://schemas.microsoft.com/office/infopath/2007/PartnerControls">
+  <documentManagement/>
+</p:properties>
+</file>
+
+<file path=customXml/item3.xml><?xml version="1.0" encoding="utf-8"?>
 <ct:contentTypeSchema xmlns:ct="http://schemas.microsoft.com/office/2006/metadata/contentType" xmlns:ma="http://schemas.microsoft.com/office/2006/metadata/properties/metaAttributes" ct:_="" ma:_="" ma:contentTypeName="Document" ma:contentTypeID="0x010100A2B0BB5962AB3C45A9A1CE1EC4C4F647" ma:contentTypeVersion="3" ma:contentTypeDescription="Create a new document." ma:contentTypeScope="" ma:versionID="f0876370c90de824ab54c09b0bd2a056">
   <xsd:schema xmlns:xsd="http://www.w3.org/2001/XMLSchema" xmlns:xs="http://www.w3.org/2001/XMLSchema" xmlns:p="http://schemas.microsoft.com/office/2006/metadata/properties" xmlns:ns3="630a2e83-186a-4a0f-ab27-bee8a8096abc" targetNamespace="http://schemas.microsoft.com/office/2006/metadata/properties" ma:root="true" ma:fieldsID="a2a3b5ed8b4accd7c8a398d0cb075271" ns3:_="">
     <xsd:import namespace="630a2e83-186a-4a0f-ab27-bee8a8096abc"/>
@@ -36390,35 +36420,10 @@
 </ct:contentTypeSchema>
 </file>
 
-<file path=customXml/item2.xml><?xml version="1.0" encoding="utf-8"?>
-<p:properties xmlns:p="http://schemas.microsoft.com/office/2006/metadata/properties" xmlns:xsi="http://www.w3.org/2001/XMLSchema-instance" xmlns:pc="http://schemas.microsoft.com/office/infopath/2007/PartnerControls">
-  <documentManagement/>
-</p:properties>
-</file>
-
-<file path=customXml/item3.xml><?xml version="1.0" encoding="utf-8"?>
-<?mso-contentType ?>
-<FormTemplates xmlns="http://schemas.microsoft.com/sharepoint/v3/contenttype/forms">
-  <Display>DocumentLibraryForm</Display>
-  <Edit>DocumentLibraryForm</Edit>
-  <New>DocumentLibraryForm</New>
-</FormTemplates>
-</file>
-
 <file path=customXml/itemProps1.xml><?xml version="1.0" encoding="utf-8"?>
-<ds:datastoreItem xmlns:ds="http://schemas.openxmlformats.org/officeDocument/2006/customXml" ds:itemID="{F330841A-A209-44E7-824E-9DDB4DE0DC3C}">
+<ds:datastoreItem xmlns:ds="http://schemas.openxmlformats.org/officeDocument/2006/customXml" ds:itemID="{758FDAC0-319D-4A54-8D8E-1D42CB1F8004}">
   <ds:schemaRefs>
-    <ds:schemaRef ds:uri="http://schemas.microsoft.com/office/2006/metadata/contentType"/>
-    <ds:schemaRef ds:uri="http://schemas.microsoft.com/office/2006/metadata/properties/metaAttributes"/>
-    <ds:schemaRef ds:uri="http://www.w3.org/2001/XMLSchema"/>
-    <ds:schemaRef ds:uri="http://schemas.microsoft.com/office/2006/metadata/properties"/>
-    <ds:schemaRef ds:uri="630a2e83-186a-4a0f-ab27-bee8a8096abc"/>
-    <ds:schemaRef ds:uri="http://schemas.microsoft.com/office/2006/documentManagement/types"/>
-    <ds:schemaRef ds:uri="http://schemas.microsoft.com/office/infopath/2007/PartnerControls"/>
-    <ds:schemaRef ds:uri="http://schemas.openxmlformats.org/package/2006/metadata/core-properties"/>
-    <ds:schemaRef ds:uri="http://purl.org/dc/elements/1.1/"/>
-    <ds:schemaRef ds:uri="http://purl.org/dc/terms/"/>
-    <ds:schemaRef ds:uri="http://schemas.microsoft.com/internal/obd"/>
+    <ds:schemaRef ds:uri="http://schemas.microsoft.com/sharepoint/v3/contenttype/forms"/>
   </ds:schemaRefs>
 </ds:datastoreItem>
 </file>
@@ -36440,9 +36445,19 @@
 </file>
 
 <file path=customXml/itemProps3.xml><?xml version="1.0" encoding="utf-8"?>
-<ds:datastoreItem xmlns:ds="http://schemas.openxmlformats.org/officeDocument/2006/customXml" ds:itemID="{758FDAC0-319D-4A54-8D8E-1D42CB1F8004}">
+<ds:datastoreItem xmlns:ds="http://schemas.openxmlformats.org/officeDocument/2006/customXml" ds:itemID="{F330841A-A209-44E7-824E-9DDB4DE0DC3C}">
   <ds:schemaRefs>
-    <ds:schemaRef ds:uri="http://schemas.microsoft.com/sharepoint/v3/contenttype/forms"/>
+    <ds:schemaRef ds:uri="http://schemas.microsoft.com/office/2006/metadata/contentType"/>
+    <ds:schemaRef ds:uri="http://schemas.microsoft.com/office/2006/metadata/properties/metaAttributes"/>
+    <ds:schemaRef ds:uri="http://www.w3.org/2001/XMLSchema"/>
+    <ds:schemaRef ds:uri="http://schemas.microsoft.com/office/2006/metadata/properties"/>
+    <ds:schemaRef ds:uri="630a2e83-186a-4a0f-ab27-bee8a8096abc"/>
+    <ds:schemaRef ds:uri="http://schemas.microsoft.com/office/2006/documentManagement/types"/>
+    <ds:schemaRef ds:uri="http://schemas.microsoft.com/office/infopath/2007/PartnerControls"/>
+    <ds:schemaRef ds:uri="http://schemas.openxmlformats.org/package/2006/metadata/core-properties"/>
+    <ds:schemaRef ds:uri="http://purl.org/dc/elements/1.1/"/>
+    <ds:schemaRef ds:uri="http://purl.org/dc/terms/"/>
+    <ds:schemaRef ds:uri="http://schemas.microsoft.com/internal/obd"/>
   </ds:schemaRefs>
 </ds:datastoreItem>
 </file>